--- a/Lab_Resourses/CBLS_Wetlab_Protocols/20210527_Incubator_Dimensions.pptx
+++ b/Lab_Resourses/CBLS_Wetlab_Protocols/20210527_Incubator_Dimensions.pptx
@@ -6,7 +6,8 @@
   </p:sldMasterIdLst>
   <p:sldIdLst>
     <p:sldId id="257" r:id="rId2"/>
-    <p:sldId id="259" r:id="rId3"/>
+    <p:sldId id="260" r:id="rId3"/>
+    <p:sldId id="259" r:id="rId4"/>
   </p:sldIdLst>
   <p:sldSz cx="12192000" cy="6858000"/>
   <p:notesSz cx="6858000" cy="9144000"/>
@@ -105,6 +106,11 @@
       </a:defRPr>
     </a:lvl9pPr>
   </p:defaultTextStyle>
+  <p:extLst>
+    <p:ext uri="{EFAFB233-063F-42B5-8137-9DF3F51BA10A}">
+      <p15:sldGuideLst xmlns:p15="http://schemas.microsoft.com/office/powerpoint/2012/main"/>
+    </p:ext>
+  </p:extLst>
 </p:presentation>
 </file>
 
@@ -255,7 +261,7 @@
           <a:p>
             <a:fld id="{9541A8F9-3FBE-498B-AA1F-7180DA67F337}" type="datetimeFigureOut">
               <a:rPr lang="en-US" smtClean="0"/>
-              <a:t>5/27/2021</a:t>
+              <a:t>5/28/2021</a:t>
             </a:fld>
             <a:endParaRPr lang="en-US"/>
           </a:p>
@@ -453,7 +459,7 @@
           <a:p>
             <a:fld id="{9541A8F9-3FBE-498B-AA1F-7180DA67F337}" type="datetimeFigureOut">
               <a:rPr lang="en-US" smtClean="0"/>
-              <a:t>5/27/2021</a:t>
+              <a:t>5/28/2021</a:t>
             </a:fld>
             <a:endParaRPr lang="en-US"/>
           </a:p>
@@ -661,7 +667,7 @@
           <a:p>
             <a:fld id="{9541A8F9-3FBE-498B-AA1F-7180DA67F337}" type="datetimeFigureOut">
               <a:rPr lang="en-US" smtClean="0"/>
-              <a:t>5/27/2021</a:t>
+              <a:t>5/28/2021</a:t>
             </a:fld>
             <a:endParaRPr lang="en-US"/>
           </a:p>
@@ -859,7 +865,7 @@
           <a:p>
             <a:fld id="{9541A8F9-3FBE-498B-AA1F-7180DA67F337}" type="datetimeFigureOut">
               <a:rPr lang="en-US" smtClean="0"/>
-              <a:t>5/27/2021</a:t>
+              <a:t>5/28/2021</a:t>
             </a:fld>
             <a:endParaRPr lang="en-US"/>
           </a:p>
@@ -1134,7 +1140,7 @@
           <a:p>
             <a:fld id="{9541A8F9-3FBE-498B-AA1F-7180DA67F337}" type="datetimeFigureOut">
               <a:rPr lang="en-US" smtClean="0"/>
-              <a:t>5/27/2021</a:t>
+              <a:t>5/28/2021</a:t>
             </a:fld>
             <a:endParaRPr lang="en-US"/>
           </a:p>
@@ -1399,7 +1405,7 @@
           <a:p>
             <a:fld id="{9541A8F9-3FBE-498B-AA1F-7180DA67F337}" type="datetimeFigureOut">
               <a:rPr lang="en-US" smtClean="0"/>
-              <a:t>5/27/2021</a:t>
+              <a:t>5/28/2021</a:t>
             </a:fld>
             <a:endParaRPr lang="en-US"/>
           </a:p>
@@ -1811,7 +1817,7 @@
           <a:p>
             <a:fld id="{9541A8F9-3FBE-498B-AA1F-7180DA67F337}" type="datetimeFigureOut">
               <a:rPr lang="en-US" smtClean="0"/>
-              <a:t>5/27/2021</a:t>
+              <a:t>5/28/2021</a:t>
             </a:fld>
             <a:endParaRPr lang="en-US"/>
           </a:p>
@@ -1952,7 +1958,7 @@
           <a:p>
             <a:fld id="{9541A8F9-3FBE-498B-AA1F-7180DA67F337}" type="datetimeFigureOut">
               <a:rPr lang="en-US" smtClean="0"/>
-              <a:t>5/27/2021</a:t>
+              <a:t>5/28/2021</a:t>
             </a:fld>
             <a:endParaRPr lang="en-US"/>
           </a:p>
@@ -2065,7 +2071,7 @@
           <a:p>
             <a:fld id="{9541A8F9-3FBE-498B-AA1F-7180DA67F337}" type="datetimeFigureOut">
               <a:rPr lang="en-US" smtClean="0"/>
-              <a:t>5/27/2021</a:t>
+              <a:t>5/28/2021</a:t>
             </a:fld>
             <a:endParaRPr lang="en-US"/>
           </a:p>
@@ -2376,7 +2382,7 @@
           <a:p>
             <a:fld id="{9541A8F9-3FBE-498B-AA1F-7180DA67F337}" type="datetimeFigureOut">
               <a:rPr lang="en-US" smtClean="0"/>
-              <a:t>5/27/2021</a:t>
+              <a:t>5/28/2021</a:t>
             </a:fld>
             <a:endParaRPr lang="en-US"/>
           </a:p>
@@ -2664,7 +2670,7 @@
           <a:p>
             <a:fld id="{9541A8F9-3FBE-498B-AA1F-7180DA67F337}" type="datetimeFigureOut">
               <a:rPr lang="en-US" smtClean="0"/>
-              <a:t>5/27/2021</a:t>
+              <a:t>5/28/2021</a:t>
             </a:fld>
             <a:endParaRPr lang="en-US"/>
           </a:p>
@@ -2905,7 +2911,7 @@
           <a:p>
             <a:fld id="{9541A8F9-3FBE-498B-AA1F-7180DA67F337}" type="datetimeFigureOut">
               <a:rPr lang="en-US" smtClean="0"/>
-              <a:t>5/27/2021</a:t>
+              <a:t>5/28/2021</a:t>
             </a:fld>
             <a:endParaRPr lang="en-US"/>
           </a:p>
@@ -5697,7 +5703,7 @@
         <p:spPr>
           <a:xfrm>
             <a:off x="8297688" y="491724"/>
-            <a:ext cx="3749168" cy="1754326"/>
+            <a:ext cx="4643066" cy="2215991"/>
           </a:xfrm>
           <a:prstGeom prst="rect">
             <a:avLst/>
@@ -5725,7 +5731,17 @@
             <a:endParaRPr lang="en-US" dirty="0"/>
           </a:p>
           <a:p>
-            <a:endParaRPr lang="en-US" dirty="0"/>
+            <a:r>
+              <a:rPr lang="en-US" sz="2400" dirty="0"/>
+              <a:t>Height Difference = Space Between </a:t>
+            </a:r>
+          </a:p>
+          <a:p>
+            <a:r>
+              <a:rPr lang="en-US" sz="2400"/>
+              <a:t>Shelves</a:t>
+            </a:r>
+            <a:endParaRPr lang="en-US" sz="2400" dirty="0"/>
           </a:p>
           <a:p>
             <a:endParaRPr lang="en-US" dirty="0"/>
@@ -5749,6 +5765,668 @@
 </file>
 
 <file path=ppt/slides/slide2.xml><?xml version="1.0" encoding="utf-8"?>
+<p:sld xmlns:a="http://schemas.openxmlformats.org/drawingml/2006/main" xmlns:r="http://schemas.openxmlformats.org/officeDocument/2006/relationships" xmlns:p="http://schemas.openxmlformats.org/presentationml/2006/main">
+  <p:cSld>
+    <p:bg>
+      <p:bgPr>
+        <a:solidFill>
+          <a:schemeClr val="bg1"/>
+        </a:solidFill>
+        <a:effectLst/>
+      </p:bgPr>
+    </p:bg>
+    <p:spTree>
+      <p:nvGrpSpPr>
+        <p:cNvPr id="1" name=""/>
+        <p:cNvGrpSpPr/>
+        <p:nvPr/>
+      </p:nvGrpSpPr>
+      <p:grpSpPr>
+        <a:xfrm>
+          <a:off x="0" y="0"/>
+          <a:ext cx="0" cy="0"/>
+          <a:chOff x="0" y="0"/>
+          <a:chExt cx="0" cy="0"/>
+        </a:xfrm>
+      </p:grpSpPr>
+      <p:pic>
+        <p:nvPicPr>
+          <p:cNvPr id="2" name="Picture 1" descr="A picture containing indoor&#10;&#10;Description automatically generated">
+            <a:extLst>
+              <a:ext uri="{FF2B5EF4-FFF2-40B4-BE49-F238E27FC236}">
+                <a16:creationId xmlns:a16="http://schemas.microsoft.com/office/drawing/2014/main" id="{EA904A53-1DDD-4F1F-AF1D-639CC6F526F5}"/>
+              </a:ext>
+            </a:extLst>
+          </p:cNvPr>
+          <p:cNvPicPr>
+            <a:picLocks noChangeAspect="1"/>
+          </p:cNvPicPr>
+          <p:nvPr/>
+        </p:nvPicPr>
+        <p:blipFill>
+          <a:blip r:embed="rId2">
+            <a:extLst>
+              <a:ext uri="{28A0092B-C50C-407E-A947-70E740481C1C}">
+                <a14:useLocalDpi xmlns:a14="http://schemas.microsoft.com/office/drawing/2010/main" val="0"/>
+              </a:ext>
+            </a:extLst>
+          </a:blip>
+          <a:stretch>
+            <a:fillRect/>
+          </a:stretch>
+        </p:blipFill>
+        <p:spPr>
+          <a:xfrm rot="5400000">
+            <a:off x="3310466" y="643466"/>
+            <a:ext cx="5571067" cy="5571067"/>
+          </a:xfrm>
+          <a:prstGeom prst="rect">
+            <a:avLst/>
+          </a:prstGeom>
+        </p:spPr>
+      </p:pic>
+      <p:grpSp>
+        <p:nvGrpSpPr>
+          <p:cNvPr id="7" name="Group 6">
+            <a:extLst>
+              <a:ext uri="{FF2B5EF4-FFF2-40B4-BE49-F238E27FC236}">
+                <a16:creationId xmlns:a16="http://schemas.microsoft.com/office/drawing/2014/main" id="{88A0C82D-62AA-46D1-989D-53D3CE6B8F62}"/>
+              </a:ext>
+            </a:extLst>
+          </p:cNvPr>
+          <p:cNvGrpSpPr/>
+          <p:nvPr/>
+        </p:nvGrpSpPr>
+        <p:grpSpPr>
+          <a:xfrm>
+            <a:off x="1556448" y="2482369"/>
+            <a:ext cx="2650435" cy="400110"/>
+            <a:chOff x="331304" y="2117803"/>
+            <a:chExt cx="2650435" cy="400110"/>
+          </a:xfrm>
+        </p:grpSpPr>
+        <p:sp>
+          <p:nvSpPr>
+            <p:cNvPr id="8" name="TextBox 7">
+              <a:extLst>
+                <a:ext uri="{FF2B5EF4-FFF2-40B4-BE49-F238E27FC236}">
+                  <a16:creationId xmlns:a16="http://schemas.microsoft.com/office/drawing/2014/main" id="{BB250A17-B6CE-41D3-B0DC-B641FC734C14}"/>
+                </a:ext>
+              </a:extLst>
+            </p:cNvPr>
+            <p:cNvSpPr txBox="1"/>
+            <p:nvPr/>
+          </p:nvSpPr>
+          <p:spPr>
+            <a:xfrm>
+              <a:off x="331304" y="2117803"/>
+              <a:ext cx="906017" cy="400110"/>
+            </a:xfrm>
+            <a:prstGeom prst="rect">
+              <a:avLst/>
+            </a:prstGeom>
+            <a:noFill/>
+          </p:spPr>
+          <p:txBody>
+            <a:bodyPr wrap="none" rtlCol="0">
+              <a:spAutoFit/>
+            </a:bodyPr>
+            <a:lstStyle/>
+            <a:p>
+              <a:r>
+                <a:rPr lang="en-US" sz="2000" b="1" dirty="0"/>
+                <a:t>Shelf 3</a:t>
+              </a:r>
+            </a:p>
+          </p:txBody>
+        </p:sp>
+        <p:cxnSp>
+          <p:nvCxnSpPr>
+            <p:cNvPr id="9" name="Straight Arrow Connector 8">
+              <a:extLst>
+                <a:ext uri="{FF2B5EF4-FFF2-40B4-BE49-F238E27FC236}">
+                  <a16:creationId xmlns:a16="http://schemas.microsoft.com/office/drawing/2014/main" id="{BEA0388B-8241-4A28-B1C2-9258F196C6F6}"/>
+                </a:ext>
+              </a:extLst>
+            </p:cNvPr>
+            <p:cNvCxnSpPr/>
+            <p:nvPr/>
+          </p:nvCxnSpPr>
+          <p:spPr>
+            <a:xfrm>
+              <a:off x="331304" y="2517913"/>
+              <a:ext cx="2650435" cy="0"/>
+            </a:xfrm>
+            <a:prstGeom prst="straightConnector1">
+              <a:avLst/>
+            </a:prstGeom>
+            <a:ln w="57150">
+              <a:solidFill>
+                <a:srgbClr val="FF0000"/>
+              </a:solidFill>
+              <a:tailEnd type="triangle"/>
+            </a:ln>
+          </p:spPr>
+          <p:style>
+            <a:lnRef idx="1">
+              <a:schemeClr val="accent1"/>
+            </a:lnRef>
+            <a:fillRef idx="0">
+              <a:schemeClr val="accent1"/>
+            </a:fillRef>
+            <a:effectRef idx="0">
+              <a:schemeClr val="accent1"/>
+            </a:effectRef>
+            <a:fontRef idx="minor">
+              <a:schemeClr val="tx1"/>
+            </a:fontRef>
+          </p:style>
+        </p:cxnSp>
+      </p:grpSp>
+      <p:grpSp>
+        <p:nvGrpSpPr>
+          <p:cNvPr id="10" name="Group 9">
+            <a:extLst>
+              <a:ext uri="{FF2B5EF4-FFF2-40B4-BE49-F238E27FC236}">
+                <a16:creationId xmlns:a16="http://schemas.microsoft.com/office/drawing/2014/main" id="{D19732CF-0F9B-477A-8A22-AF1A86A15C24}"/>
+              </a:ext>
+            </a:extLst>
+          </p:cNvPr>
+          <p:cNvGrpSpPr/>
+          <p:nvPr/>
+        </p:nvGrpSpPr>
+        <p:grpSpPr>
+          <a:xfrm>
+            <a:off x="1556448" y="4002420"/>
+            <a:ext cx="2650435" cy="400110"/>
+            <a:chOff x="331304" y="2117803"/>
+            <a:chExt cx="2650435" cy="400110"/>
+          </a:xfrm>
+        </p:grpSpPr>
+        <p:sp>
+          <p:nvSpPr>
+            <p:cNvPr id="11" name="TextBox 10">
+              <a:extLst>
+                <a:ext uri="{FF2B5EF4-FFF2-40B4-BE49-F238E27FC236}">
+                  <a16:creationId xmlns:a16="http://schemas.microsoft.com/office/drawing/2014/main" id="{36189372-DFA1-4558-BF79-24CB4843E48E}"/>
+                </a:ext>
+              </a:extLst>
+            </p:cNvPr>
+            <p:cNvSpPr txBox="1"/>
+            <p:nvPr/>
+          </p:nvSpPr>
+          <p:spPr>
+            <a:xfrm>
+              <a:off x="331304" y="2117803"/>
+              <a:ext cx="906017" cy="400110"/>
+            </a:xfrm>
+            <a:prstGeom prst="rect">
+              <a:avLst/>
+            </a:prstGeom>
+            <a:noFill/>
+          </p:spPr>
+          <p:txBody>
+            <a:bodyPr wrap="none" rtlCol="0">
+              <a:spAutoFit/>
+            </a:bodyPr>
+            <a:lstStyle/>
+            <a:p>
+              <a:r>
+                <a:rPr lang="en-US" sz="2000" b="1" dirty="0"/>
+                <a:t>Shelf 2</a:t>
+              </a:r>
+            </a:p>
+          </p:txBody>
+        </p:sp>
+        <p:cxnSp>
+          <p:nvCxnSpPr>
+            <p:cNvPr id="12" name="Straight Arrow Connector 11">
+              <a:extLst>
+                <a:ext uri="{FF2B5EF4-FFF2-40B4-BE49-F238E27FC236}">
+                  <a16:creationId xmlns:a16="http://schemas.microsoft.com/office/drawing/2014/main" id="{259FD4B7-1752-42FD-8F38-C059E943E502}"/>
+                </a:ext>
+              </a:extLst>
+            </p:cNvPr>
+            <p:cNvCxnSpPr/>
+            <p:nvPr/>
+          </p:nvCxnSpPr>
+          <p:spPr>
+            <a:xfrm>
+              <a:off x="331304" y="2517913"/>
+              <a:ext cx="2650435" cy="0"/>
+            </a:xfrm>
+            <a:prstGeom prst="straightConnector1">
+              <a:avLst/>
+            </a:prstGeom>
+            <a:ln w="57150">
+              <a:solidFill>
+                <a:srgbClr val="FF0000"/>
+              </a:solidFill>
+              <a:tailEnd type="triangle"/>
+            </a:ln>
+          </p:spPr>
+          <p:style>
+            <a:lnRef idx="1">
+              <a:schemeClr val="accent1"/>
+            </a:lnRef>
+            <a:fillRef idx="0">
+              <a:schemeClr val="accent1"/>
+            </a:fillRef>
+            <a:effectRef idx="0">
+              <a:schemeClr val="accent1"/>
+            </a:effectRef>
+            <a:fontRef idx="minor">
+              <a:schemeClr val="tx1"/>
+            </a:fontRef>
+          </p:style>
+        </p:cxnSp>
+      </p:grpSp>
+      <p:grpSp>
+        <p:nvGrpSpPr>
+          <p:cNvPr id="13" name="Group 12">
+            <a:extLst>
+              <a:ext uri="{FF2B5EF4-FFF2-40B4-BE49-F238E27FC236}">
+                <a16:creationId xmlns:a16="http://schemas.microsoft.com/office/drawing/2014/main" id="{126A048B-A6B9-41C6-B648-B55BF3F98548}"/>
+              </a:ext>
+            </a:extLst>
+          </p:cNvPr>
+          <p:cNvGrpSpPr/>
+          <p:nvPr/>
+        </p:nvGrpSpPr>
+        <p:grpSpPr>
+          <a:xfrm>
+            <a:off x="1556448" y="4849024"/>
+            <a:ext cx="2650435" cy="400110"/>
+            <a:chOff x="331304" y="2117803"/>
+            <a:chExt cx="2650435" cy="400110"/>
+          </a:xfrm>
+        </p:grpSpPr>
+        <p:sp>
+          <p:nvSpPr>
+            <p:cNvPr id="14" name="TextBox 13">
+              <a:extLst>
+                <a:ext uri="{FF2B5EF4-FFF2-40B4-BE49-F238E27FC236}">
+                  <a16:creationId xmlns:a16="http://schemas.microsoft.com/office/drawing/2014/main" id="{03FD1D4D-30AD-42E3-9690-DC6025EE301B}"/>
+                </a:ext>
+              </a:extLst>
+            </p:cNvPr>
+            <p:cNvSpPr txBox="1"/>
+            <p:nvPr/>
+          </p:nvSpPr>
+          <p:spPr>
+            <a:xfrm>
+              <a:off x="331304" y="2117803"/>
+              <a:ext cx="906017" cy="400110"/>
+            </a:xfrm>
+            <a:prstGeom prst="rect">
+              <a:avLst/>
+            </a:prstGeom>
+            <a:noFill/>
+          </p:spPr>
+          <p:txBody>
+            <a:bodyPr wrap="none" rtlCol="0">
+              <a:spAutoFit/>
+            </a:bodyPr>
+            <a:lstStyle/>
+            <a:p>
+              <a:r>
+                <a:rPr lang="en-US" sz="2000" b="1" dirty="0"/>
+                <a:t>Shelf 1</a:t>
+              </a:r>
+            </a:p>
+          </p:txBody>
+        </p:sp>
+        <p:cxnSp>
+          <p:nvCxnSpPr>
+            <p:cNvPr id="15" name="Straight Arrow Connector 14">
+              <a:extLst>
+                <a:ext uri="{FF2B5EF4-FFF2-40B4-BE49-F238E27FC236}">
+                  <a16:creationId xmlns:a16="http://schemas.microsoft.com/office/drawing/2014/main" id="{4675BD52-19B5-4493-9F12-BA35A5D02288}"/>
+                </a:ext>
+              </a:extLst>
+            </p:cNvPr>
+            <p:cNvCxnSpPr/>
+            <p:nvPr/>
+          </p:nvCxnSpPr>
+          <p:spPr>
+            <a:xfrm>
+              <a:off x="331304" y="2517913"/>
+              <a:ext cx="2650435" cy="0"/>
+            </a:xfrm>
+            <a:prstGeom prst="straightConnector1">
+              <a:avLst/>
+            </a:prstGeom>
+            <a:ln w="57150">
+              <a:solidFill>
+                <a:srgbClr val="FF0000"/>
+              </a:solidFill>
+              <a:tailEnd type="triangle"/>
+            </a:ln>
+          </p:spPr>
+          <p:style>
+            <a:lnRef idx="1">
+              <a:schemeClr val="accent1"/>
+            </a:lnRef>
+            <a:fillRef idx="0">
+              <a:schemeClr val="accent1"/>
+            </a:fillRef>
+            <a:effectRef idx="0">
+              <a:schemeClr val="accent1"/>
+            </a:effectRef>
+            <a:fontRef idx="minor">
+              <a:schemeClr val="tx1"/>
+            </a:fontRef>
+          </p:style>
+        </p:cxnSp>
+      </p:grpSp>
+      <p:grpSp>
+        <p:nvGrpSpPr>
+          <p:cNvPr id="16" name="Group 15">
+            <a:extLst>
+              <a:ext uri="{FF2B5EF4-FFF2-40B4-BE49-F238E27FC236}">
+                <a16:creationId xmlns:a16="http://schemas.microsoft.com/office/drawing/2014/main" id="{0FE90279-C3A9-4594-BE4B-610BC1D49FDB}"/>
+              </a:ext>
+            </a:extLst>
+          </p:cNvPr>
+          <p:cNvGrpSpPr/>
+          <p:nvPr/>
+        </p:nvGrpSpPr>
+        <p:grpSpPr>
+          <a:xfrm>
+            <a:off x="1520310" y="5541344"/>
+            <a:ext cx="2722710" cy="400110"/>
+            <a:chOff x="259029" y="2127369"/>
+            <a:chExt cx="2722710" cy="400110"/>
+          </a:xfrm>
+        </p:grpSpPr>
+        <p:sp>
+          <p:nvSpPr>
+            <p:cNvPr id="17" name="TextBox 16">
+              <a:extLst>
+                <a:ext uri="{FF2B5EF4-FFF2-40B4-BE49-F238E27FC236}">
+                  <a16:creationId xmlns:a16="http://schemas.microsoft.com/office/drawing/2014/main" id="{6A15AB62-C969-4CF1-9A19-B604BCDC2700}"/>
+                </a:ext>
+              </a:extLst>
+            </p:cNvPr>
+            <p:cNvSpPr txBox="1"/>
+            <p:nvPr/>
+          </p:nvSpPr>
+          <p:spPr>
+            <a:xfrm>
+              <a:off x="259029" y="2127369"/>
+              <a:ext cx="2347950" cy="400110"/>
+            </a:xfrm>
+            <a:prstGeom prst="rect">
+              <a:avLst/>
+            </a:prstGeom>
+            <a:noFill/>
+          </p:spPr>
+          <p:txBody>
+            <a:bodyPr wrap="none" rtlCol="0">
+              <a:spAutoFit/>
+            </a:bodyPr>
+            <a:lstStyle/>
+            <a:p>
+              <a:r>
+                <a:rPr lang="en-US" sz="2000" b="1" dirty="0"/>
+                <a:t>Bottom of Incubator</a:t>
+              </a:r>
+            </a:p>
+          </p:txBody>
+        </p:sp>
+        <p:cxnSp>
+          <p:nvCxnSpPr>
+            <p:cNvPr id="18" name="Straight Arrow Connector 17">
+              <a:extLst>
+                <a:ext uri="{FF2B5EF4-FFF2-40B4-BE49-F238E27FC236}">
+                  <a16:creationId xmlns:a16="http://schemas.microsoft.com/office/drawing/2014/main" id="{883FF443-803F-4231-8E1E-67747DB7F707}"/>
+                </a:ext>
+              </a:extLst>
+            </p:cNvPr>
+            <p:cNvCxnSpPr/>
+            <p:nvPr/>
+          </p:nvCxnSpPr>
+          <p:spPr>
+            <a:xfrm>
+              <a:off x="331304" y="2517913"/>
+              <a:ext cx="2650435" cy="0"/>
+            </a:xfrm>
+            <a:prstGeom prst="straightConnector1">
+              <a:avLst/>
+            </a:prstGeom>
+            <a:ln w="57150">
+              <a:solidFill>
+                <a:srgbClr val="FF0000"/>
+              </a:solidFill>
+              <a:tailEnd type="triangle"/>
+            </a:ln>
+          </p:spPr>
+          <p:style>
+            <a:lnRef idx="1">
+              <a:schemeClr val="accent1"/>
+            </a:lnRef>
+            <a:fillRef idx="0">
+              <a:schemeClr val="accent1"/>
+            </a:fillRef>
+            <a:effectRef idx="0">
+              <a:schemeClr val="accent1"/>
+            </a:effectRef>
+            <a:fontRef idx="minor">
+              <a:schemeClr val="tx1"/>
+            </a:fontRef>
+          </p:style>
+        </p:cxnSp>
+      </p:grpSp>
+      <p:grpSp>
+        <p:nvGrpSpPr>
+          <p:cNvPr id="19" name="Group 18">
+            <a:extLst>
+              <a:ext uri="{FF2B5EF4-FFF2-40B4-BE49-F238E27FC236}">
+                <a16:creationId xmlns:a16="http://schemas.microsoft.com/office/drawing/2014/main" id="{E7A6BE32-E7A6-417B-A311-0C96FA12C709}"/>
+              </a:ext>
+            </a:extLst>
+          </p:cNvPr>
+          <p:cNvGrpSpPr/>
+          <p:nvPr/>
+        </p:nvGrpSpPr>
+        <p:grpSpPr>
+          <a:xfrm>
+            <a:off x="3726818" y="1189630"/>
+            <a:ext cx="2650435" cy="400110"/>
+            <a:chOff x="331304" y="2117803"/>
+            <a:chExt cx="2650435" cy="400110"/>
+          </a:xfrm>
+        </p:grpSpPr>
+        <p:sp>
+          <p:nvSpPr>
+            <p:cNvPr id="20" name="TextBox 19">
+              <a:extLst>
+                <a:ext uri="{FF2B5EF4-FFF2-40B4-BE49-F238E27FC236}">
+                  <a16:creationId xmlns:a16="http://schemas.microsoft.com/office/drawing/2014/main" id="{01F7195C-EBFD-4E65-B9DE-F816D4EF227E}"/>
+                </a:ext>
+              </a:extLst>
+            </p:cNvPr>
+            <p:cNvSpPr txBox="1"/>
+            <p:nvPr/>
+          </p:nvSpPr>
+          <p:spPr>
+            <a:xfrm>
+              <a:off x="331304" y="2117803"/>
+              <a:ext cx="1370888" cy="400110"/>
+            </a:xfrm>
+            <a:prstGeom prst="rect">
+              <a:avLst/>
+            </a:prstGeom>
+            <a:noFill/>
+          </p:spPr>
+          <p:txBody>
+            <a:bodyPr wrap="none" rtlCol="0">
+              <a:spAutoFit/>
+            </a:bodyPr>
+            <a:lstStyle/>
+            <a:p>
+              <a:r>
+                <a:rPr lang="en-US" sz="2000" b="1" dirty="0"/>
+                <a:t>Shelf Holes</a:t>
+              </a:r>
+            </a:p>
+          </p:txBody>
+        </p:sp>
+        <p:cxnSp>
+          <p:nvCxnSpPr>
+            <p:cNvPr id="21" name="Straight Arrow Connector 20">
+              <a:extLst>
+                <a:ext uri="{FF2B5EF4-FFF2-40B4-BE49-F238E27FC236}">
+                  <a16:creationId xmlns:a16="http://schemas.microsoft.com/office/drawing/2014/main" id="{425FEE25-9023-4A1F-93C3-E439CA780AD4}"/>
+                </a:ext>
+              </a:extLst>
+            </p:cNvPr>
+            <p:cNvCxnSpPr/>
+            <p:nvPr/>
+          </p:nvCxnSpPr>
+          <p:spPr>
+            <a:xfrm>
+              <a:off x="331304" y="2517913"/>
+              <a:ext cx="2650435" cy="0"/>
+            </a:xfrm>
+            <a:prstGeom prst="straightConnector1">
+              <a:avLst/>
+            </a:prstGeom>
+            <a:ln w="57150">
+              <a:solidFill>
+                <a:srgbClr val="FF0000"/>
+              </a:solidFill>
+              <a:tailEnd type="triangle"/>
+            </a:ln>
+          </p:spPr>
+          <p:style>
+            <a:lnRef idx="1">
+              <a:schemeClr val="accent1"/>
+            </a:lnRef>
+            <a:fillRef idx="0">
+              <a:schemeClr val="accent1"/>
+            </a:fillRef>
+            <a:effectRef idx="0">
+              <a:schemeClr val="accent1"/>
+            </a:effectRef>
+            <a:fontRef idx="minor">
+              <a:schemeClr val="tx1"/>
+            </a:fontRef>
+          </p:style>
+        </p:cxnSp>
+      </p:grpSp>
+      <p:grpSp>
+        <p:nvGrpSpPr>
+          <p:cNvPr id="22" name="Group 21">
+            <a:extLst>
+              <a:ext uri="{FF2B5EF4-FFF2-40B4-BE49-F238E27FC236}">
+                <a16:creationId xmlns:a16="http://schemas.microsoft.com/office/drawing/2014/main" id="{6B297F1A-4857-4A7B-8190-A90E486C3AEF}"/>
+              </a:ext>
+            </a:extLst>
+          </p:cNvPr>
+          <p:cNvGrpSpPr/>
+          <p:nvPr/>
+        </p:nvGrpSpPr>
+        <p:grpSpPr>
+          <a:xfrm>
+            <a:off x="3726818" y="3228944"/>
+            <a:ext cx="2650435" cy="400110"/>
+            <a:chOff x="331304" y="2117803"/>
+            <a:chExt cx="2650435" cy="400110"/>
+          </a:xfrm>
+        </p:grpSpPr>
+        <p:sp>
+          <p:nvSpPr>
+            <p:cNvPr id="23" name="TextBox 22">
+              <a:extLst>
+                <a:ext uri="{FF2B5EF4-FFF2-40B4-BE49-F238E27FC236}">
+                  <a16:creationId xmlns:a16="http://schemas.microsoft.com/office/drawing/2014/main" id="{20F5D332-EA8E-4E31-9DE9-6B0D744DAF16}"/>
+                </a:ext>
+              </a:extLst>
+            </p:cNvPr>
+            <p:cNvSpPr txBox="1"/>
+            <p:nvPr/>
+          </p:nvSpPr>
+          <p:spPr>
+            <a:xfrm>
+              <a:off x="331304" y="2117803"/>
+              <a:ext cx="1370888" cy="400110"/>
+            </a:xfrm>
+            <a:prstGeom prst="rect">
+              <a:avLst/>
+            </a:prstGeom>
+            <a:noFill/>
+          </p:spPr>
+          <p:txBody>
+            <a:bodyPr wrap="none" rtlCol="0">
+              <a:spAutoFit/>
+            </a:bodyPr>
+            <a:lstStyle/>
+            <a:p>
+              <a:r>
+                <a:rPr lang="en-US" sz="2000" b="1" dirty="0"/>
+                <a:t>Shelf Holes</a:t>
+              </a:r>
+            </a:p>
+          </p:txBody>
+        </p:sp>
+        <p:cxnSp>
+          <p:nvCxnSpPr>
+            <p:cNvPr id="24" name="Straight Arrow Connector 23">
+              <a:extLst>
+                <a:ext uri="{FF2B5EF4-FFF2-40B4-BE49-F238E27FC236}">
+                  <a16:creationId xmlns:a16="http://schemas.microsoft.com/office/drawing/2014/main" id="{79CF15F4-7B15-4B9B-B299-0D70FEF1132E}"/>
+                </a:ext>
+              </a:extLst>
+            </p:cNvPr>
+            <p:cNvCxnSpPr/>
+            <p:nvPr/>
+          </p:nvCxnSpPr>
+          <p:spPr>
+            <a:xfrm>
+              <a:off x="331304" y="2517913"/>
+              <a:ext cx="2650435" cy="0"/>
+            </a:xfrm>
+            <a:prstGeom prst="straightConnector1">
+              <a:avLst/>
+            </a:prstGeom>
+            <a:ln w="57150">
+              <a:solidFill>
+                <a:srgbClr val="FF0000"/>
+              </a:solidFill>
+              <a:tailEnd type="triangle"/>
+            </a:ln>
+          </p:spPr>
+          <p:style>
+            <a:lnRef idx="1">
+              <a:schemeClr val="accent1"/>
+            </a:lnRef>
+            <a:fillRef idx="0">
+              <a:schemeClr val="accent1"/>
+            </a:fillRef>
+            <a:effectRef idx="0">
+              <a:schemeClr val="accent1"/>
+            </a:effectRef>
+            <a:fontRef idx="minor">
+              <a:schemeClr val="tx1"/>
+            </a:fontRef>
+          </p:style>
+        </p:cxnSp>
+      </p:grpSp>
+    </p:spTree>
+    <p:extLst>
+      <p:ext uri="{BB962C8B-B14F-4D97-AF65-F5344CB8AC3E}">
+        <p14:creationId xmlns:p14="http://schemas.microsoft.com/office/powerpoint/2010/main" val="3546080579"/>
+      </p:ext>
+    </p:extLst>
+  </p:cSld>
+  <p:clrMapOvr>
+    <a:masterClrMapping/>
+  </p:clrMapOvr>
+</p:sld>
+</file>
+
+<file path=ppt/slides/slide3.xml><?xml version="1.0" encoding="utf-8"?>
 <p:sld xmlns:a="http://schemas.openxmlformats.org/drawingml/2006/main" xmlns:r="http://schemas.openxmlformats.org/officeDocument/2006/relationships" xmlns:p="http://schemas.openxmlformats.org/presentationml/2006/main">
   <p:cSld>
     <p:spTree>
